--- a/ppt/Gamification-ADA.pptx
+++ b/ppt/Gamification-ADA.pptx
@@ -12,11 +12,12 @@
     <p:sldId id="260" r:id="rId6"/>
     <p:sldId id="261" r:id="rId7"/>
     <p:sldId id="262" r:id="rId8"/>
-    <p:sldId id="263" r:id="rId9"/>
-    <p:sldId id="264" r:id="rId10"/>
-    <p:sldId id="265" r:id="rId11"/>
-    <p:sldId id="266" r:id="rId12"/>
-    <p:sldId id="267" r:id="rId13"/>
+    <p:sldId id="268" r:id="rId9"/>
+    <p:sldId id="263" r:id="rId10"/>
+    <p:sldId id="264" r:id="rId11"/>
+    <p:sldId id="265" r:id="rId12"/>
+    <p:sldId id="266" r:id="rId13"/>
+    <p:sldId id="267" r:id="rId14"/>
   </p:sldIdLst>
   <p:sldSz cx="9144000" cy="6858000" type="screen4x3"/>
   <p:notesSz cx="6858000" cy="9144000"/>
@@ -3185,7 +3186,7 @@
           <a:p>
             <a:r>
               <a:rPr lang="en-IN" dirty="0" smtClean="0"/>
-              <a:t>Here is the competition!</a:t>
+              <a:t>Offers on transactions</a:t>
             </a:r>
             <a:endParaRPr lang="en-IN" dirty="0"/>
           </a:p>
@@ -3208,7 +3209,7 @@
           <a:p>
             <a:r>
               <a:rPr lang="en-IN" dirty="0" smtClean="0"/>
-              <a:t>Over time users accumulate the tokens. We create a global dashboard to see where you stand in terms of tokens and puzzle pieces</a:t>
+              <a:t>As user makes transactions, we perform spend analysis for the user.</a:t>
             </a:r>
           </a:p>
           <a:p>
@@ -3217,7 +3218,7 @@
           <a:p>
             <a:r>
               <a:rPr lang="en-IN" dirty="0" smtClean="0"/>
-              <a:t>Also puzzle can be completed only 2 times a month and the puzzle is customizable!! It’s our games we can build</a:t>
+              <a:t>Based upon his previous week spending and the amount he spent we provide him offers on that area like Food, Travel, Shopping, Gadgets etc..</a:t>
             </a:r>
             <a:endParaRPr lang="en-IN" dirty="0"/>
           </a:p>
@@ -3272,7 +3273,7 @@
           <a:p>
             <a:r>
               <a:rPr lang="en-IN" dirty="0" smtClean="0"/>
-              <a:t>Future Scope</a:t>
+              <a:t>Here is the competition!</a:t>
             </a:r>
             <a:endParaRPr lang="en-IN" dirty="0"/>
           </a:p>
@@ -3295,15 +3296,7 @@
           <a:p>
             <a:r>
               <a:rPr lang="en-IN" dirty="0" smtClean="0"/>
-              <a:t>We can include the part where user can buy real </a:t>
-            </a:r>
-            <a:r>
-              <a:rPr lang="en-IN" dirty="0" err="1" smtClean="0"/>
-              <a:t>Digi</a:t>
-            </a:r>
-            <a:r>
-              <a:rPr lang="en-IN" dirty="0" smtClean="0"/>
-              <a:t> Bank goodies like t-shirts, bottles, gadgets for their use and in a way promoting the app</a:t>
+              <a:t>Over time users accumulate the tokens. We create a global dashboard to see where you stand in terms of tokens and puzzle pieces</a:t>
             </a:r>
           </a:p>
           <a:p>
@@ -3312,8 +3305,9 @@
           <a:p>
             <a:r>
               <a:rPr lang="en-IN" dirty="0" smtClean="0"/>
-              <a:t>As the puzzle is customizable we can include parts of the puzzle and make users explore the NEW features!!</a:t>
-            </a:r>
+              <a:t>Also puzzle can be completed only 2 times a month and the puzzle is customizable!! It’s our games we can build</a:t>
+            </a:r>
+            <a:endParaRPr lang="en-IN" dirty="0"/>
           </a:p>
         </p:txBody>
       </p:sp>
@@ -3333,6 +3327,100 @@
 </file>
 
 <file path=ppt/slides/slide12.xml><?xml version="1.0" encoding="utf-8"?>
+<p:sld xmlns:a="http://schemas.openxmlformats.org/drawingml/2006/main" xmlns:r="http://schemas.openxmlformats.org/officeDocument/2006/relationships" xmlns:p="http://schemas.openxmlformats.org/presentationml/2006/main">
+  <p:cSld>
+    <p:spTree>
+      <p:nvGrpSpPr>
+        <p:cNvPr id="1" name=""/>
+        <p:cNvGrpSpPr/>
+        <p:nvPr/>
+      </p:nvGrpSpPr>
+      <p:grpSpPr>
+        <a:xfrm>
+          <a:off x="0" y="0"/>
+          <a:ext cx="0" cy="0"/>
+          <a:chOff x="0" y="0"/>
+          <a:chExt cx="0" cy="0"/>
+        </a:xfrm>
+      </p:grpSpPr>
+      <p:sp>
+        <p:nvSpPr>
+          <p:cNvPr id="2" name="Title 1"/>
+          <p:cNvSpPr>
+            <a:spLocks noGrp="1"/>
+          </p:cNvSpPr>
+          <p:nvPr>
+            <p:ph type="title"/>
+          </p:nvPr>
+        </p:nvSpPr>
+        <p:spPr/>
+        <p:txBody>
+          <a:bodyPr/>
+          <a:lstStyle/>
+          <a:p>
+            <a:r>
+              <a:rPr lang="en-IN" dirty="0" smtClean="0"/>
+              <a:t>Future Scope</a:t>
+            </a:r>
+            <a:endParaRPr lang="en-IN" dirty="0"/>
+          </a:p>
+        </p:txBody>
+      </p:sp>
+      <p:sp>
+        <p:nvSpPr>
+          <p:cNvPr id="3" name="Content Placeholder 2"/>
+          <p:cNvSpPr>
+            <a:spLocks noGrp="1"/>
+          </p:cNvSpPr>
+          <p:nvPr>
+            <p:ph idx="1"/>
+          </p:nvPr>
+        </p:nvSpPr>
+        <p:spPr/>
+        <p:txBody>
+          <a:bodyPr/>
+          <a:lstStyle/>
+          <a:p>
+            <a:r>
+              <a:rPr lang="en-IN" dirty="0" smtClean="0"/>
+              <a:t>We can include the part where user can buy real </a:t>
+            </a:r>
+            <a:r>
+              <a:rPr lang="en-IN" dirty="0" err="1" smtClean="0"/>
+              <a:t>Digi</a:t>
+            </a:r>
+            <a:r>
+              <a:rPr lang="en-IN" dirty="0" smtClean="0"/>
+              <a:t> Bank goodies like t-shirts, bottles, gadgets for their use and in a way promoting the app</a:t>
+            </a:r>
+          </a:p>
+          <a:p>
+            <a:endParaRPr lang="en-IN" dirty="0"/>
+          </a:p>
+          <a:p>
+            <a:r>
+              <a:rPr lang="en-IN" dirty="0" smtClean="0"/>
+              <a:t>As the puzzle is customizable we can include parts of the puzzle and make users explore the NEW features!!</a:t>
+            </a:r>
+          </a:p>
+        </p:txBody>
+      </p:sp>
+    </p:spTree>
+  </p:cSld>
+  <p:clrMapOvr>
+    <a:masterClrMapping/>
+  </p:clrMapOvr>
+  <p:timing>
+    <p:tnLst>
+      <p:par>
+        <p:cTn id="1" dur="indefinite" restart="never" nodeType="tmRoot"/>
+      </p:par>
+    </p:tnLst>
+  </p:timing>
+</p:sld>
+</file>
+
+<file path=ppt/slides/slide13.xml><?xml version="1.0" encoding="utf-8"?>
 <p:sld xmlns:a="http://schemas.openxmlformats.org/drawingml/2006/main" xmlns:r="http://schemas.openxmlformats.org/officeDocument/2006/relationships" xmlns:p="http://schemas.openxmlformats.org/presentationml/2006/main">
   <p:cSld>
     <p:spTree>
@@ -4183,7 +4271,7 @@
           <a:p>
             <a:r>
               <a:rPr lang="en-IN" dirty="0" smtClean="0"/>
-              <a:t>What are available in marketplace</a:t>
+              <a:t>Scan and Win Tokens</a:t>
             </a:r>
             <a:endParaRPr lang="en-IN" dirty="0"/>
           </a:p>
@@ -4206,7 +4294,27 @@
           <a:p>
             <a:r>
               <a:rPr lang="en-IN" dirty="0" smtClean="0"/>
-              <a:t>Puzzle Pieces(left, bottom, top and spark)</a:t>
+              <a:t>We developed an AR App which </a:t>
+            </a:r>
+            <a:r>
+              <a:rPr lang="en-IN" dirty="0" err="1" smtClean="0"/>
+              <a:t>emobeses</a:t>
+            </a:r>
+            <a:r>
+              <a:rPr lang="en-IN" dirty="0" smtClean="0"/>
+              <a:t> </a:t>
+            </a:r>
+            <a:r>
+              <a:rPr lang="en-IN" dirty="0" err="1" smtClean="0"/>
+              <a:t>P</a:t>
+            </a:r>
+            <a:r>
+              <a:rPr lang="en-IN" dirty="0" err="1" smtClean="0"/>
+              <a:t>okemon</a:t>
+            </a:r>
+            <a:r>
+              <a:rPr lang="en-IN" dirty="0" smtClean="0"/>
+              <a:t> or token on DBS logo.</a:t>
             </a:r>
           </a:p>
           <a:p>
@@ -4215,16 +4323,20 @@
           <a:p>
             <a:r>
               <a:rPr lang="en-IN" dirty="0" smtClean="0"/>
-              <a:t>Wait what about Right - transactions part ?</a:t>
-            </a:r>
-          </a:p>
-          <a:p>
-            <a:endParaRPr lang="en-IN" dirty="0"/>
-          </a:p>
-          <a:p>
-            <a:r>
-              <a:rPr lang="en-IN" dirty="0" smtClean="0"/>
-              <a:t>We wanted some parts of the app should be explored by user for sure which is transactions part.</a:t>
+              <a:t>User can scan DBS logo and can win token</a:t>
+            </a:r>
+          </a:p>
+          <a:p>
+            <a:endParaRPr lang="en-IN" dirty="0" smtClean="0"/>
+          </a:p>
+          <a:p>
+            <a:r>
+              <a:rPr lang="en-IN" dirty="0" smtClean="0"/>
+              <a:t>Max limit is 3 scans </a:t>
+            </a:r>
+            <a:r>
+              <a:rPr lang="en-IN" smtClean="0"/>
+              <a:t>per day!!</a:t>
             </a:r>
             <a:endParaRPr lang="en-IN" dirty="0"/>
           </a:p>
@@ -4235,13 +4347,6 @@
   <p:clrMapOvr>
     <a:masterClrMapping/>
   </p:clrMapOvr>
-  <p:timing>
-    <p:tnLst>
-      <p:par>
-        <p:cTn id="1" dur="indefinite" restart="never" nodeType="tmRoot"/>
-      </p:par>
-    </p:tnLst>
-  </p:timing>
 </p:sld>
 </file>
 
@@ -4279,7 +4384,7 @@
           <a:p>
             <a:r>
               <a:rPr lang="en-IN" dirty="0" smtClean="0"/>
-              <a:t>Offers on transactions</a:t>
+              <a:t>What are available in marketplace</a:t>
             </a:r>
             <a:endParaRPr lang="en-IN" dirty="0"/>
           </a:p>
@@ -4302,7 +4407,16 @@
           <a:p>
             <a:r>
               <a:rPr lang="en-IN" dirty="0" smtClean="0"/>
-              <a:t>As user makes transactions, we perform spend analysis for the user.</a:t>
+              <a:t>Puzzle Pieces(left, bottom, top and spark)</a:t>
+            </a:r>
+          </a:p>
+          <a:p>
+            <a:endParaRPr lang="en-IN" dirty="0" smtClean="0"/>
+          </a:p>
+          <a:p>
+            <a:r>
+              <a:rPr lang="en-IN" dirty="0" smtClean="0"/>
+              <a:t>Wait what about Right - transactions part ?</a:t>
             </a:r>
           </a:p>
           <a:p>
@@ -4311,7 +4425,7 @@
           <a:p>
             <a:r>
               <a:rPr lang="en-IN" dirty="0" smtClean="0"/>
-              <a:t>Based upon his previous week spending and the amount he spent we provide him offers on that area like Food, Travel, Shopping, Gadgets etc..</a:t>
+              <a:t>We wanted some parts of the app should be explored by user for sure which is transactions part.</a:t>
             </a:r>
             <a:endParaRPr lang="en-IN" dirty="0"/>
           </a:p>
